--- a/FFT/FFT_pitfalls.pptx
+++ b/FFT/FFT_pitfalls.pptx
@@ -3386,6 +3386,15 @@
         <p:txBody>
           <a:bodyPr/>
           <a:lstStyle/>
+          <a:p>
+            <a:r>
+              <a:rPr lang="en-US">
+                <a:hlinkClick r:id="rId2"/>
+              </a:rPr>
+              <a:t>https://youtu.be/jZVekQ2ZDXQ</a:t>
+            </a:r>
+            <a:endParaRPr lang="en-US"/>
+          </a:p>
           <a:p>
             <a:endParaRPr lang="en-US"/>
           </a:p>
